--- a/CalendarioAgo21/CISCO/Chapter7_P2.pptx
+++ b/CalendarioAgo21/CISCO/Chapter7_P2.pptx
@@ -271,7 +271,7 @@
           <a:p>
             <a:fld id="{136337D9-3022-3D41-8D8A-BDF2F3B0DD8E}" type="datetimeFigureOut">
               <a:rPr lang="en-US" smtClean="0"/>
-              <a:t>4/6/2021</a:t>
+              <a:t>9/28/2021</a:t>
             </a:fld>
             <a:endParaRPr lang="en-US" dirty="0"/>
           </a:p>
@@ -29095,55 +29095,6 @@
               <a:t>Default gateway address can be configured to match the link-local or global unicast address of the Gigabit Ethernet interface.</a:t>
             </a:r>
           </a:p>
-          <a:p>
-            <a:pPr lvl="1">
-              <a:buFont typeface="Wingdings" panose="05000000000000000000" pitchFamily="2" charset="2"/>
-              <a:buChar char="§"/>
-            </a:pPr>
-            <a:r>
-              <a:rPr lang="en-US" altLang="en-US" sz="1800" dirty="0"/>
-              <a:t>Dynamic assignment of IPv6 addresses:</a:t>
-            </a:r>
-          </a:p>
-          <a:p>
-            <a:pPr lvl="3">
-              <a:buFont typeface="Arial" panose="020B0604020202020204" pitchFamily="34" charset="0"/>
-              <a:buChar char="•"/>
-            </a:pPr>
-            <a:r>
-              <a:rPr lang="en-US" altLang="en-US" sz="1600" dirty="0"/>
-              <a:t>Stateless Address </a:t>
-            </a:r>
-            <a:r>
-              <a:rPr lang="en-US" altLang="en-US" sz="1600" dirty="0" err="1"/>
-              <a:t>Autoconfiguration</a:t>
-            </a:r>
-            <a:r>
-              <a:rPr lang="en-US" altLang="en-US" sz="1600" dirty="0"/>
-              <a:t> (SLAAC)</a:t>
-            </a:r>
-          </a:p>
-          <a:p>
-            <a:pPr lvl="3">
-              <a:buFont typeface="Arial" panose="020B0604020202020204" pitchFamily="34" charset="0"/>
-              <a:buChar char="•"/>
-            </a:pPr>
-            <a:r>
-              <a:rPr lang="en-US" altLang="en-US" sz="1600" dirty="0" err="1"/>
-              <a:t>Stateful</a:t>
-            </a:r>
-            <a:r>
-              <a:rPr lang="en-US" altLang="en-US" sz="1600" dirty="0"/>
-              <a:t> DHCPv6</a:t>
-            </a:r>
-          </a:p>
-          <a:p>
-            <a:pPr lvl="3">
-              <a:buFont typeface="Wingdings" panose="05000000000000000000" pitchFamily="2" charset="2"/>
-              <a:buChar char="§"/>
-            </a:pPr>
-            <a:endParaRPr lang="en-US" altLang="en-US" sz="1500" dirty="0"/>
-          </a:p>
         </p:txBody>
       </p:sp>
       <p:pic>
